--- a/_SLIDES/H1 tot en met H8/H3- Tekst in code gebruiken/H3_1_tekst.pptx
+++ b/_SLIDES/H1 tot en met H8/H3- Tekst in code gebruiken/H3_1_tekst.pptx
@@ -50,13 +50,13 @@
   <p:notesSz cx="7099300" cy="10234613"/>
   <p:embeddedFontLst>
     <p:embeddedFont>
-      <p:font typeface="Archivo Narrow" pitchFamily="2" charset="0"/>
+      <p:font typeface="Archivo Narrow" panose="020B0604020202020204" charset="0"/>
       <p:regular r:id="rId38"/>
       <p:bold r:id="rId39"/>
       <p:italic r:id="rId40"/>
     </p:embeddedFont>
     <p:embeddedFont>
-      <p:font typeface="Blogger Sans" panose="02000506030000020004" pitchFamily="50" charset="0"/>
+      <p:font typeface="Blogger Sans" panose="02000506030000020004" charset="0"/>
       <p:regular r:id="rId41"/>
       <p:bold r:id="rId42"/>
       <p:italic r:id="rId43"/>
@@ -4025,7 +4025,7 @@
           <a:p>
             <a:fld id="{85EE1F57-E73E-475C-872F-886F27274373}" type="datetimeFigureOut">
               <a:rPr lang="nl-BE" smtClean="0"/>
-              <a:t>16/05/2023</a:t>
+              <a:t>12/10/2023</a:t>
             </a:fld>
             <a:endParaRPr lang="nl-BE"/>
           </a:p>
@@ -4190,7 +4190,7 @@
           <a:p>
             <a:fld id="{E0BBF532-A5DD-4E27-82A5-D972027CDA5D}" type="datetimeFigureOut">
               <a:rPr lang="nl-BE" smtClean="0"/>
-              <a:t>16/05/2023</a:t>
+              <a:t>12/10/2023</a:t>
             </a:fld>
             <a:endParaRPr lang="nl-BE"/>
           </a:p>
@@ -5069,7 +5069,7 @@
           <a:p>
             <a:fld id="{BCCA6142-F57B-48C8-97F4-E016AC358AB9}" type="datetime1">
               <a:rPr lang="nl-BE" smtClean="0"/>
-              <a:t>16/05/2023</a:t>
+              <a:t>12/10/2023</a:t>
             </a:fld>
             <a:endParaRPr lang="nl-BE" dirty="0"/>
           </a:p>
@@ -5365,7 +5365,7 @@
           <a:p>
             <a:fld id="{5FB9A890-CB95-4A02-8EA4-7544B08DB4E2}" type="datetime1">
               <a:rPr lang="nl-BE" smtClean="0"/>
-              <a:t>16/05/2023</a:t>
+              <a:t>12/10/2023</a:t>
             </a:fld>
             <a:endParaRPr lang="nl-BE"/>
           </a:p>
@@ -5578,7 +5578,7 @@
           <a:p>
             <a:fld id="{813D1D9F-4518-4980-9C0D-8EB7894ABDE4}" type="datetime1">
               <a:rPr lang="nl-BE" smtClean="0"/>
-              <a:t>16/05/2023</a:t>
+              <a:t>12/10/2023</a:t>
             </a:fld>
             <a:endParaRPr lang="nl-BE"/>
           </a:p>
@@ -5812,7 +5812,7 @@
           <a:p>
             <a:fld id="{62BF7167-EA82-4644-8F88-C53816572F96}" type="datetime1">
               <a:rPr lang="nl-BE" smtClean="0"/>
-              <a:t>16/05/2023</a:t>
+              <a:t>12/10/2023</a:t>
             </a:fld>
             <a:endParaRPr lang="nl-BE"/>
           </a:p>
@@ -6091,7 +6091,7 @@
           <a:p>
             <a:fld id="{FC393B68-E771-4EAB-BD5A-988B3BCEC1C4}" type="datetime1">
               <a:rPr lang="nl-BE" smtClean="0"/>
-              <a:t>16/05/2023</a:t>
+              <a:t>12/10/2023</a:t>
             </a:fld>
             <a:endParaRPr lang="nl-BE"/>
           </a:p>
@@ -6362,7 +6362,7 @@
           <a:p>
             <a:fld id="{3FA1FA05-B5D2-497F-81AB-0906CD7F230B}" type="datetime1">
               <a:rPr lang="nl-BE" smtClean="0"/>
-              <a:t>16/05/2023</a:t>
+              <a:t>12/10/2023</a:t>
             </a:fld>
             <a:endParaRPr lang="nl-BE"/>
           </a:p>
@@ -6780,7 +6780,7 @@
           <a:p>
             <a:fld id="{05261B88-F79F-4529-821E-344A934E6946}" type="datetime1">
               <a:rPr lang="nl-BE" smtClean="0"/>
-              <a:t>16/05/2023</a:t>
+              <a:t>12/10/2023</a:t>
             </a:fld>
             <a:endParaRPr lang="nl-BE"/>
           </a:p>
@@ -6925,7 +6925,7 @@
           <a:p>
             <a:fld id="{9D36FFD9-A9CE-4423-9581-2A56F0092606}" type="datetime1">
               <a:rPr lang="nl-BE" smtClean="0"/>
-              <a:t>16/05/2023</a:t>
+              <a:t>12/10/2023</a:t>
             </a:fld>
             <a:endParaRPr lang="nl-BE"/>
           </a:p>
@@ -7041,7 +7041,7 @@
           <a:p>
             <a:fld id="{7896331C-B12C-4B5E-A588-AEBE791B8080}" type="datetime1">
               <a:rPr lang="nl-BE" smtClean="0"/>
-              <a:t>16/05/2023</a:t>
+              <a:t>12/10/2023</a:t>
             </a:fld>
             <a:endParaRPr lang="nl-BE"/>
           </a:p>
@@ -7357,7 +7357,7 @@
           <a:p>
             <a:fld id="{CDDA2E80-F5AF-4838-8E2B-93B8353DFA07}" type="datetime1">
               <a:rPr lang="nl-BE" smtClean="0"/>
-              <a:t>16/05/2023</a:t>
+              <a:t>12/10/2023</a:t>
             </a:fld>
             <a:endParaRPr lang="nl-BE"/>
           </a:p>
@@ -7653,7 +7653,7 @@
           <a:p>
             <a:fld id="{2D0660AB-DEF8-4F0D-B084-808191304D25}" type="datetime1">
               <a:rPr lang="nl-BE" smtClean="0"/>
-              <a:t>16/05/2023</a:t>
+              <a:t>12/10/2023</a:t>
             </a:fld>
             <a:endParaRPr lang="nl-BE"/>
           </a:p>
@@ -7899,7 +7899,7 @@
           <a:p>
             <a:fld id="{A671A349-F1E9-4BB9-BDF1-40D376A3D129}" type="datetime1">
               <a:rPr lang="nl-BE" smtClean="0"/>
-              <a:t>16/05/2023</a:t>
+              <a:t>12/10/2023</a:t>
             </a:fld>
             <a:endParaRPr lang="nl-BE"/>
           </a:p>
@@ -16588,49 +16588,32 @@
       </p:sp>
       <p:pic>
         <p:nvPicPr>
-          <p:cNvPr id="5122" name="Picture 2">
-            <a:extLst>
-              <a:ext uri="{FF2B5EF4-FFF2-40B4-BE49-F238E27FC236}">
-                <a16:creationId xmlns:a16="http://schemas.microsoft.com/office/drawing/2014/main" id="{3D165F1D-4060-4EB1-ACA2-7CC2E0847AD6}"/>
+          <p:cNvPr id="7" name="Afbeelding 6">
+            <a:extLst>
+              <a:ext uri="{FF2B5EF4-FFF2-40B4-BE49-F238E27FC236}">
+                <a16:creationId xmlns:a16="http://schemas.microsoft.com/office/drawing/2014/main" id="{63084BCE-8663-31CA-D6A5-8E1E24AA028F}"/>
               </a:ext>
             </a:extLst>
           </p:cNvPr>
           <p:cNvPicPr>
-            <a:picLocks noChangeAspect="1" noChangeArrowheads="1"/>
+            <a:picLocks noChangeAspect="1"/>
           </p:cNvPicPr>
           <p:nvPr/>
         </p:nvPicPr>
         <p:blipFill>
-          <a:blip r:embed="rId2">
-            <a:extLst>
-              <a:ext uri="{28A0092B-C50C-407E-A947-70E740481C1C}">
-                <a14:useLocalDpi xmlns:a14="http://schemas.microsoft.com/office/drawing/2010/main" val="0"/>
-              </a:ext>
-            </a:extLst>
-          </a:blip>
-          <a:srcRect/>
+          <a:blip r:embed="rId2"/>
           <a:stretch>
             <a:fillRect/>
           </a:stretch>
         </p:blipFill>
-        <p:spPr bwMode="auto">
+        <p:spPr>
           <a:xfrm>
-            <a:off x="1847528" y="2924944"/>
-            <a:ext cx="7816324" cy="1784399"/>
+            <a:off x="3143672" y="2996952"/>
+            <a:ext cx="6967468" cy="2088232"/>
           </a:xfrm>
           <a:prstGeom prst="rect">
             <a:avLst/>
           </a:prstGeom>
-          <a:noFill/>
-          <a:extLst>
-            <a:ext uri="{909E8E84-426E-40DD-AFC4-6F175D3DCCD1}">
-              <a14:hiddenFill xmlns:a14="http://schemas.microsoft.com/office/drawing/2010/main">
-                <a:solidFill>
-                  <a:srgbClr val="FFFFFF"/>
-                </a:solidFill>
-              </a14:hiddenFill>
-            </a:ext>
-          </a:extLst>
         </p:spPr>
       </p:pic>
     </p:spTree>
